--- a/biomagnetometer/darpa/HR001117S0025_AMBIIENT_Lin.pptx
+++ b/biomagnetometer/darpa/HR001117S0025_AMBIIENT_Lin.pptx
@@ -204,7 +204,7 @@
                 <a:cs typeface="Tahoma" pitchFamily="34" charset="0"/>
               </a:rPr>
               <a:pPr/>
-              <a:t>5/26/2017</a:t>
+              <a:t>5/27/2017</a:t>
             </a:fld>
             <a:endParaRPr lang="en-US">
               <a:solidFill>
@@ -442,7 +442,7 @@
             <a:fld id="{92715C0D-0E45-40B4-BE1B-664AAA8E6B7F}" type="datetimeFigureOut">
               <a:rPr lang="en-US" smtClean="0"/>
               <a:pPr/>
-              <a:t>5/26/2017</a:t>
+              <a:t>5/27/2017</a:t>
             </a:fld>
             <a:endParaRPr lang="en-US"/>
           </a:p>
@@ -2423,7 +2423,7 @@
           <a:p>
             <a:fld id="{80194E2C-28A1-4ACF-BE1C-DC6E3E3FF6B4}" type="datetimeFigureOut">
               <a:rPr lang="en-US" smtClean="0"/>
-              <a:t>5/26/2017</a:t>
+              <a:t>5/27/2017</a:t>
             </a:fld>
             <a:endParaRPr lang="en-US"/>
           </a:p>
@@ -2827,6 +2827,38 @@
           <a:noFill/>
         </p:spPr>
         <p:txBody>
+          <a:bodyPr wrap="square" rtlCol="0" anchor="t">
+            <a:spAutoFit/>
+          </a:bodyPr>
+          <a:lstStyle/>
+          <a:p>
+            <a:pPr algn="ctr"/>
+            <a:r>
+              <a:rPr lang="en-US" sz="1600" b="1">
+                <a:latin typeface="Calibri" panose="020F0502020204030204" pitchFamily="34" charset="0"/>
+              </a:rPr>
+              <a:t>Technical  Rationale and Approach</a:t>
+            </a:r>
+          </a:p>
+        </p:txBody>
+      </p:sp>
+      <p:sp>
+        <p:nvSpPr>
+          <p:cNvPr id="26" name="TextBox 25"/>
+          <p:cNvSpPr txBox="1"/>
+          <p:nvPr/>
+        </p:nvSpPr>
+        <p:spPr>
+          <a:xfrm>
+            <a:off x="4191000" y="836711"/>
+            <a:ext cx="5335588" cy="338554"/>
+          </a:xfrm>
+          <a:prstGeom prst="rect">
+            <a:avLst/>
+          </a:prstGeom>
+          <a:noFill/>
+        </p:spPr>
+        <p:txBody>
           <a:bodyPr wrap="square" rtlCol="0">
             <a:spAutoFit/>
           </a:bodyPr>
@@ -2837,33 +2869,21 @@
               <a:rPr lang="en-US" sz="1600" b="1">
                 <a:latin typeface="Calibri" panose="020F0502020204030204" pitchFamily="34" charset="0"/>
               </a:rPr>
-              <a:t>Technical  Rationale and Approach(</a:t>
-            </a:r>
-            <a:r>
-              <a:rPr lang="en-US" sz="1600" b="1" err="1">
-                <a:latin typeface="Calibri" panose="020F0502020204030204" pitchFamily="34" charset="0"/>
-              </a:rPr>
-              <a:t>es</a:t>
-            </a:r>
-            <a:r>
-              <a:rPr lang="en-US" sz="1600" b="1">
-                <a:latin typeface="Calibri" panose="020F0502020204030204" pitchFamily="34" charset="0"/>
-              </a:rPr>
-              <a:t>)</a:t>
-            </a:r>
-          </a:p>
-        </p:txBody>
-      </p:sp>
-      <p:sp>
-        <p:nvSpPr>
-          <p:cNvPr id="26" name="TextBox 25"/>
+              <a:t>Team organization, cost, milestones and schedule</a:t>
+            </a:r>
+          </a:p>
+        </p:txBody>
+      </p:sp>
+      <p:sp>
+        <p:nvSpPr>
+          <p:cNvPr id="27" name="TextBox 26"/>
           <p:cNvSpPr txBox="1"/>
           <p:nvPr/>
         </p:nvSpPr>
         <p:spPr>
           <a:xfrm>
-            <a:off x="4191000" y="836711"/>
-            <a:ext cx="5335588" cy="338554"/>
+            <a:off x="533400" y="839919"/>
+            <a:ext cx="3352800" cy="338554"/>
           </a:xfrm>
           <a:prstGeom prst="rect">
             <a:avLst/>
@@ -2881,21 +2901,21 @@
               <a:rPr lang="en-US" sz="1600" b="1">
                 <a:latin typeface="Calibri" panose="020F0502020204030204" pitchFamily="34" charset="0"/>
               </a:rPr>
-              <a:t>Team organization, cost, milestones and schedule</a:t>
-            </a:r>
-          </a:p>
-        </p:txBody>
-      </p:sp>
-      <p:sp>
-        <p:nvSpPr>
-          <p:cNvPr id="27" name="TextBox 26"/>
+              <a:t>Innovative Claims</a:t>
+            </a:r>
+          </a:p>
+        </p:txBody>
+      </p:sp>
+      <p:sp>
+        <p:nvSpPr>
+          <p:cNvPr id="28" name="TextBox 27"/>
           <p:cNvSpPr txBox="1"/>
           <p:nvPr/>
         </p:nvSpPr>
         <p:spPr>
           <a:xfrm>
-            <a:off x="533400" y="839919"/>
-            <a:ext cx="3352800" cy="338554"/>
+            <a:off x="-38100" y="1130300"/>
+            <a:ext cx="4632895" cy="1184275"/>
           </a:xfrm>
           <a:prstGeom prst="rect">
             <a:avLst/>
@@ -2903,38 +2923,6 @@
           <a:noFill/>
         </p:spPr>
         <p:txBody>
-          <a:bodyPr wrap="square" rtlCol="0">
-            <a:spAutoFit/>
-          </a:bodyPr>
-          <a:lstStyle/>
-          <a:p>
-            <a:pPr algn="ctr"/>
-            <a:r>
-              <a:rPr lang="en-US" sz="1600" b="1">
-                <a:latin typeface="Calibri" panose="020F0502020204030204" pitchFamily="34" charset="0"/>
-              </a:rPr>
-              <a:t>Innovative Claims</a:t>
-            </a:r>
-          </a:p>
-        </p:txBody>
-      </p:sp>
-      <p:sp>
-        <p:nvSpPr>
-          <p:cNvPr id="28" name="TextBox 27"/>
-          <p:cNvSpPr txBox="1"/>
-          <p:nvPr/>
-        </p:nvSpPr>
-        <p:spPr>
-          <a:xfrm>
-            <a:off x="38100" y="1076325"/>
-            <a:ext cx="4817583" cy="1369606"/>
-          </a:xfrm>
-          <a:prstGeom prst="rect">
-            <a:avLst/>
-          </a:prstGeom>
-          <a:noFill/>
-        </p:spPr>
-        <p:txBody>
           <a:bodyPr wrap="square" rtlCol="0" anchor="t">
             <a:spAutoFit/>
           </a:bodyPr>
@@ -2954,7 +2942,7 @@
               <a:rPr lang="en-US" sz="1200">
                 <a:latin typeface="Calibri" panose="020F0502020204030204" pitchFamily="34" charset="0"/>
               </a:rPr>
-              <a:t> fields are weak, and sensors are swamped by ambient magnetic fields</a:t>
+              <a:t> fields are weak, sensors are swamped by ambient fields</a:t>
             </a:r>
           </a:p>
           <a:p>
@@ -2966,7 +2954,7 @@
               <a:rPr lang="en-US" sz="1200">
                 <a:latin typeface="Calibri" panose="020F0502020204030204" pitchFamily="34" charset="0"/>
               </a:rPr>
-              <a:t>The existing sensing methods require heavy shielding, and cryogenic sensors (</a:t>
+              <a:t>The existing state-of-the-art sensing methods require heavy shielding, and cryogenic sensors (</a:t>
             </a:r>
             <a:r>
               <a:rPr lang="en-US" sz="1200" err="1">
@@ -2978,7 +2966,7 @@
               <a:rPr lang="en-US" sz="1200">
                 <a:latin typeface="Calibri" panose="020F0502020204030204" pitchFamily="34" charset="0"/>
               </a:rPr>
-              <a:t>, SQUID, atomic magnetometers)</a:t>
+              <a:t>, SQUID, SERF)</a:t>
             </a:r>
           </a:p>
           <a:p>
@@ -3081,7 +3069,7 @@
               <a:rPr lang="en-US" sz="1200">
                 <a:latin typeface="Calibri" panose="020F0502020204030204" pitchFamily="34" charset="0"/>
               </a:rPr>
-              <a:t>Fundamental risks:</a:t>
+              <a:t>Potential risks:</a:t>
             </a:r>
           </a:p>
           <a:p>
@@ -3507,7 +3495,7 @@
         </p:blipFill>
         <p:spPr>
           <a:xfrm>
-            <a:off x="895350" y="2201173"/>
+            <a:off x="752475" y="2172419"/>
             <a:ext cx="3187819" cy="1419983"/>
           </a:xfrm>
           <a:prstGeom prst="rect">
